--- a/Project Management/Pitches/Pitch 6.pptx
+++ b/Project Management/Pitches/Pitch 6.pptx
@@ -5,7 +5,7 @@
     <p:sldMasterId id="2147483660" r:id="rId1"/>
   </p:sldMasterIdLst>
   <p:notesMasterIdLst>
-    <p:notesMasterId r:id="rId11"/>
+    <p:notesMasterId r:id="rId10"/>
   </p:notesMasterIdLst>
   <p:sldIdLst>
     <p:sldId id="256" r:id="rId2"/>
@@ -14,9 +14,8 @@
     <p:sldId id="276" r:id="rId5"/>
     <p:sldId id="277" r:id="rId6"/>
     <p:sldId id="278" r:id="rId7"/>
-    <p:sldId id="280" r:id="rId8"/>
-    <p:sldId id="279" r:id="rId9"/>
-    <p:sldId id="274" r:id="rId10"/>
+    <p:sldId id="279" r:id="rId8"/>
+    <p:sldId id="274" r:id="rId9"/>
   </p:sldIdLst>
   <p:sldSz cx="12192000" cy="6858000"/>
   <p:notesSz cx="6858000" cy="9144000"/>
@@ -205,7 +204,7 @@
           <a:p>
             <a:fld id="{58419CCB-2BA3-4560-B880-BE25D0AD66BC}" type="datetimeFigureOut">
               <a:rPr lang="en-GB" smtClean="0"/>
-              <a:t>27/03/2017</a:t>
+              <a:t>02/05/2017</a:t>
             </a:fld>
             <a:endParaRPr lang="en-GB"/>
           </a:p>
@@ -1195,7 +1194,7 @@
           <a:p>
             <a:fld id="{52E35EFA-6DBE-4BCA-B404-F185A1FAAF3C}" type="datetimeFigureOut">
               <a:rPr lang="en-GB" smtClean="0"/>
-              <a:t>27/03/2017</a:t>
+              <a:t>02/05/2017</a:t>
             </a:fld>
             <a:endParaRPr lang="en-GB"/>
           </a:p>
@@ -1446,7 +1445,7 @@
           <a:p>
             <a:fld id="{52E35EFA-6DBE-4BCA-B404-F185A1FAAF3C}" type="datetimeFigureOut">
               <a:rPr lang="en-GB" smtClean="0"/>
-              <a:t>27/03/2017</a:t>
+              <a:t>02/05/2017</a:t>
             </a:fld>
             <a:endParaRPr lang="en-GB"/>
           </a:p>
@@ -1760,7 +1759,7 @@
           <a:p>
             <a:fld id="{52E35EFA-6DBE-4BCA-B404-F185A1FAAF3C}" type="datetimeFigureOut">
               <a:rPr lang="en-GB" smtClean="0"/>
-              <a:t>27/03/2017</a:t>
+              <a:t>02/05/2017</a:t>
             </a:fld>
             <a:endParaRPr lang="en-GB"/>
           </a:p>
@@ -2101,7 +2100,7 @@
           <a:p>
             <a:fld id="{52E35EFA-6DBE-4BCA-B404-F185A1FAAF3C}" type="datetimeFigureOut">
               <a:rPr lang="en-GB" smtClean="0"/>
-              <a:t>27/03/2017</a:t>
+              <a:t>02/05/2017</a:t>
             </a:fld>
             <a:endParaRPr lang="en-GB"/>
           </a:p>
@@ -2415,7 +2414,7 @@
           <a:p>
             <a:fld id="{52E35EFA-6DBE-4BCA-B404-F185A1FAAF3C}" type="datetimeFigureOut">
               <a:rPr lang="en-GB" smtClean="0"/>
-              <a:t>27/03/2017</a:t>
+              <a:t>02/05/2017</a:t>
             </a:fld>
             <a:endParaRPr lang="en-GB"/>
           </a:p>
@@ -2808,7 +2807,7 @@
           <a:p>
             <a:fld id="{52E35EFA-6DBE-4BCA-B404-F185A1FAAF3C}" type="datetimeFigureOut">
               <a:rPr lang="en-GB" smtClean="0"/>
-              <a:t>27/03/2017</a:t>
+              <a:t>02/05/2017</a:t>
             </a:fld>
             <a:endParaRPr lang="en-GB"/>
           </a:p>
@@ -2978,7 +2977,7 @@
           <a:p>
             <a:fld id="{52E35EFA-6DBE-4BCA-B404-F185A1FAAF3C}" type="datetimeFigureOut">
               <a:rPr lang="en-GB" smtClean="0"/>
-              <a:t>27/03/2017</a:t>
+              <a:t>02/05/2017</a:t>
             </a:fld>
             <a:endParaRPr lang="en-GB"/>
           </a:p>
@@ -3158,7 +3157,7 @@
           <a:p>
             <a:fld id="{52E35EFA-6DBE-4BCA-B404-F185A1FAAF3C}" type="datetimeFigureOut">
               <a:rPr lang="en-GB" smtClean="0"/>
-              <a:t>27/03/2017</a:t>
+              <a:t>02/05/2017</a:t>
             </a:fld>
             <a:endParaRPr lang="en-GB"/>
           </a:p>
@@ -3334,7 +3333,7 @@
           <a:p>
             <a:fld id="{52E35EFA-6DBE-4BCA-B404-F185A1FAAF3C}" type="datetimeFigureOut">
               <a:rPr lang="en-GB" smtClean="0"/>
-              <a:t>27/03/2017</a:t>
+              <a:t>02/05/2017</a:t>
             </a:fld>
             <a:endParaRPr lang="en-GB"/>
           </a:p>
@@ -3581,7 +3580,7 @@
           <a:p>
             <a:fld id="{52E35EFA-6DBE-4BCA-B404-F185A1FAAF3C}" type="datetimeFigureOut">
               <a:rPr lang="en-GB" smtClean="0"/>
-              <a:t>27/03/2017</a:t>
+              <a:t>02/05/2017</a:t>
             </a:fld>
             <a:endParaRPr lang="en-GB"/>
           </a:p>
@@ -3813,7 +3812,7 @@
           <a:p>
             <a:fld id="{52E35EFA-6DBE-4BCA-B404-F185A1FAAF3C}" type="datetimeFigureOut">
               <a:rPr lang="en-GB" smtClean="0"/>
-              <a:t>27/03/2017</a:t>
+              <a:t>02/05/2017</a:t>
             </a:fld>
             <a:endParaRPr lang="en-GB"/>
           </a:p>
@@ -4187,7 +4186,7 @@
           <a:p>
             <a:fld id="{52E35EFA-6DBE-4BCA-B404-F185A1FAAF3C}" type="datetimeFigureOut">
               <a:rPr lang="en-GB" smtClean="0"/>
-              <a:t>27/03/2017</a:t>
+              <a:t>02/05/2017</a:t>
             </a:fld>
             <a:endParaRPr lang="en-GB"/>
           </a:p>
@@ -4310,7 +4309,7 @@
           <a:p>
             <a:fld id="{52E35EFA-6DBE-4BCA-B404-F185A1FAAF3C}" type="datetimeFigureOut">
               <a:rPr lang="en-GB" smtClean="0"/>
-              <a:t>27/03/2017</a:t>
+              <a:t>02/05/2017</a:t>
             </a:fld>
             <a:endParaRPr lang="en-GB"/>
           </a:p>
@@ -4405,7 +4404,7 @@
           <a:p>
             <a:fld id="{52E35EFA-6DBE-4BCA-B404-F185A1FAAF3C}" type="datetimeFigureOut">
               <a:rPr lang="en-GB" smtClean="0"/>
-              <a:t>27/03/2017</a:t>
+              <a:t>02/05/2017</a:t>
             </a:fld>
             <a:endParaRPr lang="en-GB"/>
           </a:p>
@@ -4660,7 +4659,7 @@
           <a:p>
             <a:fld id="{52E35EFA-6DBE-4BCA-B404-F185A1FAAF3C}" type="datetimeFigureOut">
               <a:rPr lang="en-GB" smtClean="0"/>
-              <a:t>27/03/2017</a:t>
+              <a:t>02/05/2017</a:t>
             </a:fld>
             <a:endParaRPr lang="en-GB"/>
           </a:p>
@@ -4923,7 +4922,7 @@
           <a:p>
             <a:fld id="{52E35EFA-6DBE-4BCA-B404-F185A1FAAF3C}" type="datetimeFigureOut">
               <a:rPr lang="en-GB" smtClean="0"/>
-              <a:t>27/03/2017</a:t>
+              <a:t>02/05/2017</a:t>
             </a:fld>
             <a:endParaRPr lang="en-GB"/>
           </a:p>
@@ -5666,7 +5665,7 @@
           <a:p>
             <a:fld id="{52E35EFA-6DBE-4BCA-B404-F185A1FAAF3C}" type="datetimeFigureOut">
               <a:rPr lang="en-GB" smtClean="0"/>
-              <a:t>27/03/2017</a:t>
+              <a:t>02/05/2017</a:t>
             </a:fld>
             <a:endParaRPr lang="en-GB"/>
           </a:p>
@@ -6455,11 +6454,6 @@
               </a:rPr>
               <a:t>https://www.youtube.com/watch?v=zOKP_V9vnWY</a:t>
             </a:r>
-            <a:endParaRPr lang="en-GB" dirty="0">
-              <a:solidFill>
-                <a:schemeClr val="accent1"/>
-              </a:solidFill>
-            </a:endParaRPr>
           </a:p>
         </p:txBody>
       </p:sp>
@@ -6563,7 +6557,7 @@
         </p:nvSpPr>
         <p:spPr>
           <a:xfrm>
-            <a:off x="1629288" y="2754656"/>
+            <a:off x="3798070" y="5132096"/>
             <a:ext cx="1789103" cy="706371"/>
           </a:xfrm>
         </p:spPr>
@@ -6895,7 +6889,7 @@
         </p:nvSpPr>
         <p:spPr>
           <a:xfrm>
-            <a:off x="2987766" y="5146648"/>
+            <a:off x="492971" y="2564868"/>
             <a:ext cx="2821131" cy="765633"/>
           </a:xfrm>
           <a:prstGeom prst="rect">
@@ -7601,24 +7595,9 @@
           </a:bodyPr>
           <a:lstStyle/>
           <a:p>
-            <a:r>
-              <a:rPr lang="en-GB" sz="2400" dirty="0"/>
-              <a:t>12 </a:t>
-            </a:r>
-            <a:r>
-              <a:rPr lang="en-GB" sz="2400" dirty="0" err="1"/>
-              <a:t>playtesters</a:t>
-            </a:r>
-            <a:endParaRPr lang="en-GB" sz="2400" dirty="0"/>
-          </a:p>
-          <a:p>
-            <a:pPr lvl="1"/>
-            <a:r>
-              <a:rPr lang="en-GB" sz="2000" dirty="0"/>
-              <a:t>1 who did not play games</a:t>
-            </a:r>
-          </a:p>
-          <a:p>
+            <a:pPr marL="0" indent="0">
+              <a:buNone/>
+            </a:pPr>
             <a:endParaRPr lang="en-GB" sz="2400" dirty="0"/>
           </a:p>
           <a:p>
@@ -7706,7 +7685,7 @@
           <a:p>
             <a:r>
               <a:rPr lang="en-GB" dirty="0"/>
-              <a:t>Playtesting Feedback – Interesting comments</a:t>
+              <a:t>How We Addressed the Issues </a:t>
             </a:r>
           </a:p>
         </p:txBody>
@@ -7721,59 +7700,19 @@
             <p:ph idx="1"/>
           </p:nvPr>
         </p:nvSpPr>
-        <p:spPr>
-          <a:xfrm>
-            <a:off x="677334" y="1930400"/>
-            <a:ext cx="8596668" cy="3880773"/>
-          </a:xfrm>
-        </p:spPr>
-        <p:txBody>
-          <a:bodyPr>
-            <a:noAutofit/>
-          </a:bodyPr>
-          <a:lstStyle/>
-          <a:p>
-            <a:r>
-              <a:rPr lang="en-GB" sz="2400" dirty="0"/>
-              <a:t>Everyone tapped everything!</a:t>
-            </a:r>
-          </a:p>
-          <a:p>
-            <a:endParaRPr lang="en-GB" sz="2400" dirty="0"/>
-          </a:p>
-          <a:p>
-            <a:r>
-              <a:rPr lang="en-GB" sz="2400" dirty="0"/>
-              <a:t>Players felt good after defeating a boss</a:t>
-            </a:r>
-          </a:p>
-          <a:p>
-            <a:endParaRPr lang="en-GB" sz="2400" dirty="0"/>
-          </a:p>
-          <a:p>
-            <a:r>
-              <a:rPr lang="en-GB" sz="2400" dirty="0"/>
-              <a:t>Players liked opening the chests</a:t>
-            </a:r>
-          </a:p>
-          <a:p>
-            <a:endParaRPr lang="en-GB" sz="2400" dirty="0"/>
-          </a:p>
-          <a:p>
-            <a:r>
-              <a:rPr lang="en-GB" sz="2400" dirty="0"/>
-              <a:t>Some found shooting hard some found it easy</a:t>
-            </a:r>
-          </a:p>
-          <a:p>
-            <a:endParaRPr lang="en-GB" sz="2000" dirty="0"/>
+        <p:spPr/>
+        <p:txBody>
+          <a:bodyPr/>
+          <a:lstStyle/>
+          <a:p>
+            <a:endParaRPr lang="en-GB"/>
           </a:p>
         </p:txBody>
       </p:sp>
     </p:spTree>
     <p:extLst>
       <p:ext uri="{BB962C8B-B14F-4D97-AF65-F5344CB8AC3E}">
-        <p14:creationId xmlns:p14="http://schemas.microsoft.com/office/powerpoint/2010/main" val="3336338309"/>
+        <p14:creationId xmlns:p14="http://schemas.microsoft.com/office/powerpoint/2010/main" val="3393413597"/>
       </p:ext>
     </p:extLst>
   </p:cSld>
@@ -7817,7 +7756,7 @@
           <a:p>
             <a:r>
               <a:rPr lang="en-GB" dirty="0"/>
-              <a:t>What we learnt from the feedback</a:t>
+              <a:t>Hours</a:t>
             </a:r>
           </a:p>
         </p:txBody>
@@ -7841,7 +7780,7 @@
           <a:p>
             <a:r>
               <a:rPr lang="en-GB" sz="2400" dirty="0"/>
-              <a:t>More visual feedback</a:t>
+              <a:t>Ashley Burton - 209</a:t>
             </a:r>
           </a:p>
           <a:p>
@@ -7850,7 +7789,7 @@
           <a:p>
             <a:r>
               <a:rPr lang="en-GB" sz="2400" dirty="0"/>
-              <a:t>Show the player how to play on the first level</a:t>
+              <a:t>Dalton Kirk - 203</a:t>
             </a:r>
           </a:p>
           <a:p>
@@ -7859,7 +7798,16 @@
           <a:p>
             <a:r>
               <a:rPr lang="en-GB" sz="2400" dirty="0"/>
-              <a:t>Make sure first level is not too hard</a:t>
+              <a:t>Jay Pointer - 193</a:t>
+            </a:r>
+          </a:p>
+          <a:p>
+            <a:endParaRPr lang="en-GB" sz="2400" dirty="0"/>
+          </a:p>
+          <a:p>
+            <a:r>
+              <a:rPr lang="en-GB" sz="2400" dirty="0"/>
+              <a:t>Ryan Lavelle - 77</a:t>
             </a:r>
           </a:p>
         </p:txBody>
@@ -7867,7 +7815,7 @@
     </p:spTree>
     <p:extLst>
       <p:ext uri="{BB962C8B-B14F-4D97-AF65-F5344CB8AC3E}">
-        <p14:creationId xmlns:p14="http://schemas.microsoft.com/office/powerpoint/2010/main" val="2890583927"/>
+        <p14:creationId xmlns:p14="http://schemas.microsoft.com/office/powerpoint/2010/main" val="4162859717"/>
       </p:ext>
     </p:extLst>
   </p:cSld>
@@ -7878,91 +7826,6 @@
 </file>
 
 <file path=ppt/slides/slide8.xml><?xml version="1.0" encoding="utf-8"?>
-<p:sld xmlns:a="http://schemas.openxmlformats.org/drawingml/2006/main" xmlns:r="http://schemas.openxmlformats.org/officeDocument/2006/relationships" xmlns:p="http://schemas.openxmlformats.org/presentationml/2006/main">
-  <p:cSld>
-    <p:spTree>
-      <p:nvGrpSpPr>
-        <p:cNvPr id="1" name=""/>
-        <p:cNvGrpSpPr/>
-        <p:nvPr/>
-      </p:nvGrpSpPr>
-      <p:grpSpPr>
-        <a:xfrm>
-          <a:off x="0" y="0"/>
-          <a:ext cx="0" cy="0"/>
-          <a:chOff x="0" y="0"/>
-          <a:chExt cx="0" cy="0"/>
-        </a:xfrm>
-      </p:grpSpPr>
-      <p:sp>
-        <p:nvSpPr>
-          <p:cNvPr id="2" name="Title 1"/>
-          <p:cNvSpPr>
-            <a:spLocks noGrp="1"/>
-          </p:cNvSpPr>
-          <p:nvPr>
-            <p:ph type="title"/>
-          </p:nvPr>
-        </p:nvSpPr>
-        <p:spPr/>
-        <p:txBody>
-          <a:bodyPr/>
-          <a:lstStyle/>
-          <a:p>
-            <a:r>
-              <a:rPr lang="en-GB" dirty="0"/>
-              <a:t>What’s Next?</a:t>
-            </a:r>
-          </a:p>
-        </p:txBody>
-      </p:sp>
-      <p:sp>
-        <p:nvSpPr>
-          <p:cNvPr id="3" name="Content Placeholder 2"/>
-          <p:cNvSpPr>
-            <a:spLocks noGrp="1"/>
-          </p:cNvSpPr>
-          <p:nvPr>
-            <p:ph idx="1"/>
-          </p:nvPr>
-        </p:nvSpPr>
-        <p:spPr/>
-        <p:txBody>
-          <a:bodyPr>
-            <a:normAutofit/>
-          </a:bodyPr>
-          <a:lstStyle/>
-          <a:p>
-            <a:r>
-              <a:rPr lang="en-GB" sz="2400" dirty="0"/>
-              <a:t>Address issues found in playtesting</a:t>
-            </a:r>
-          </a:p>
-          <a:p>
-            <a:endParaRPr lang="en-GB" sz="2400" dirty="0"/>
-          </a:p>
-          <a:p>
-            <a:r>
-              <a:rPr lang="en-GB" sz="2400" dirty="0"/>
-              <a:t>Then more playtesting</a:t>
-            </a:r>
-          </a:p>
-        </p:txBody>
-      </p:sp>
-    </p:spTree>
-    <p:extLst>
-      <p:ext uri="{BB962C8B-B14F-4D97-AF65-F5344CB8AC3E}">
-        <p14:creationId xmlns:p14="http://schemas.microsoft.com/office/powerpoint/2010/main" val="3688912608"/>
-      </p:ext>
-    </p:extLst>
-  </p:cSld>
-  <p:clrMapOvr>
-    <a:masterClrMapping/>
-  </p:clrMapOvr>
-</p:sld>
-</file>
-
-<file path=ppt/slides/slide9.xml><?xml version="1.0" encoding="utf-8"?>
 <p:sld xmlns:a="http://schemas.openxmlformats.org/drawingml/2006/main" xmlns:r="http://schemas.openxmlformats.org/officeDocument/2006/relationships" xmlns:p="http://schemas.openxmlformats.org/presentationml/2006/main">
   <p:cSld>
     <p:spTree>

--- a/Project Management/Pitches/Pitch 6.pptx
+++ b/Project Management/Pitches/Pitch 6.pptx
@@ -6452,14 +6452,19 @@
                   <a:schemeClr val="accent1"/>
                 </a:solidFill>
               </a:rPr>
-              <a:t>https://www.youtube.com/watch?v=zOKP_V9vnWY</a:t>
-            </a:r>
+              <a:t>https://www.youtube.com/watch?v=nwXZSOTqkaQ&amp;feature=youtu.be</a:t>
+            </a:r>
+            <a:endParaRPr lang="en-GB" dirty="0">
+              <a:solidFill>
+                <a:schemeClr val="accent1"/>
+              </a:solidFill>
+            </a:endParaRPr>
           </a:p>
         </p:txBody>
       </p:sp>
       <p:pic>
         <p:nvPicPr>
-          <p:cNvPr id="6" name="zOKP_V9vnWY"/>
+          <p:cNvPr id="4" name="nwXZSOTqkaQ"/>
           <p:cNvPicPr>
             <a:picLocks noGrp="1" noRot="1" noChangeAspect="1"/>
           </p:cNvPicPr>
@@ -6476,8 +6481,8 @@
         </p:blipFill>
         <p:spPr>
           <a:xfrm>
-            <a:off x="788580" y="1258349"/>
-            <a:ext cx="9018150" cy="5072708"/>
+            <a:off x="677334" y="1395835"/>
+            <a:ext cx="8054786" cy="4530817"/>
           </a:xfrm>
           <a:prstGeom prst="rect">
             <a:avLst/>
